--- a/quarto_website/content/presentations/packageSkeleton_Presentation.pptx
+++ b/quarto_website/content/presentations/packageSkeleton_Presentation.pptx
@@ -18,6 +18,11 @@
     <p:sldId id="266" r:id="rId12"/>
     <p:sldId id="267" r:id="rId13"/>
     <p:sldId id="268" r:id="rId14"/>
+    <p:sldId id="269" r:id="rId15"/>
+    <p:sldId id="270" r:id="rId16"/>
+    <p:sldId id="271" r:id="rId17"/>
+    <p:sldId id="272" r:id="rId18"/>
+    <p:sldId id="273" r:id="rId19"/>
   </p:sldIdLst>
   <p:sldSz cx="9144000" cy="5143500" type="screen16x9"/>
   <p:notesSz cx="6858000" cy="9144000"/>
@@ -3158,12 +3163,12 @@
       </p:grpSpPr>
       <p:sp>
         <p:nvSpPr>
-          <p:cNvPr id="2" name="Title 1"/>
-          <p:cNvSpPr>
-            <a:spLocks noGrp="1"/>
-          </p:cNvSpPr>
-          <p:nvPr>
-            <p:ph type="title"/>
+          <p:cNvPr id="3" name="Content Placeholder 2"/>
+          <p:cNvSpPr>
+            <a:spLocks noGrp="1"/>
+          </p:cNvSpPr>
+          <p:nvPr>
+            <p:ph idx="1"/>
           </p:nvPr>
         </p:nvSpPr>
         <p:spPr/>
@@ -3172,90 +3177,78 @@
           <a:lstStyle/>
           <a:p>
             <a:pPr lvl="0" indent="0" marL="0">
+              <a:spcBef>
+                <a:spcPts val="3000"/>
+              </a:spcBef>
               <a:buNone/>
             </a:pPr>
             <a:r>
-              <a:rPr/>
-              <a:t>Building Your Package</a:t>
-            </a:r>
-          </a:p>
-        </p:txBody>
-      </p:sp>
-      <p:sp>
-        <p:nvSpPr>
-          <p:cNvPr id="3" name="Content Placeholder 2"/>
-          <p:cNvSpPr>
-            <a:spLocks noGrp="1"/>
-          </p:cNvSpPr>
-          <p:nvPr>
-            <p:ph idx="1"/>
-          </p:nvPr>
-        </p:nvSpPr>
-        <p:spPr/>
-        <p:txBody>
-          <a:bodyPr/>
-          <a:lstStyle/>
+              <a:rPr b="1"/>
+              <a:t>Requirements</a:t>
+            </a:r>
+          </a:p>
           <a:p>
             <a:pPr lvl="0"/>
             <a:r>
               <a:rPr b="1"/>
-              <a:t>Add Functions</a:t>
-            </a:r>
-            <a:r>
-              <a:rPr/>
-              <a:t>: Use the </a:t>
+              <a:t>R</a:t>
+            </a:r>
+            <a:r>
+              <a:rPr/>
+              <a:t>: The latest version of R (available from </a:t>
             </a:r>
             <a:r>
               <a:rPr>
-                <a:latin typeface="Courier"/>
+                <a:hlinkClick r:id="rId2"/>
               </a:rPr>
-              <a:t>R/</a:t>
-            </a:r>
-            <a:r>
-              <a:rPr/>
-              <a:t> folder to store your custom R scripts and functions.</a:t>
+              <a:t>CRAN</a:t>
+            </a:r>
+            <a:r>
+              <a:rPr/>
+              <a:t>)</a:t>
             </a:r>
           </a:p>
           <a:p>
             <a:pPr lvl="0"/>
             <a:r>
               <a:rPr b="1"/>
-              <a:t>Generate Documentation</a:t>
-            </a:r>
-            <a:r>
-              <a:rPr/>
-              <a:t>: Write roxygen-style documentation for each function and build it using </a:t>
+              <a:t>Quarto</a:t>
+            </a:r>
+            <a:r>
+              <a:rPr/>
+              <a:t>: The Quarto CLI tool for building documents and websites (</a:t>
             </a:r>
             <a:r>
               <a:rPr>
-                <a:latin typeface="Courier"/>
+                <a:hlinkClick r:id="rId3"/>
               </a:rPr>
-              <a:t>devtools::document()</a:t>
-            </a:r>
-            <a:r>
-              <a:rPr/>
-              <a:t>.</a:t>
+              <a:t>Install Quarto</a:t>
+            </a:r>
+            <a:r>
+              <a:rPr/>
+              <a:t>).</a:t>
             </a:r>
           </a:p>
           <a:p>
             <a:pPr lvl="0"/>
             <a:r>
               <a:rPr b="1"/>
-              <a:t>Check Your Package</a:t>
-            </a:r>
-            <a:r>
-              <a:rPr/>
-              <a:t>: Ensure your package passes all R CMD checks by running </a:t>
-            </a:r>
-            <a:r>
-              <a:rPr>
-                <a:latin typeface="Courier"/>
-              </a:rPr>
-              <a:t>devtools::check()</a:t>
-            </a:r>
-            <a:r>
-              <a:rPr/>
-              <a:t>.</a:t>
+              <a:t>Git</a:t>
+            </a:r>
+            <a:r>
+              <a:rPr/>
+              <a:t>: Version control to manage your code and push to GitHub.</a:t>
+            </a:r>
+          </a:p>
+          <a:p>
+            <a:pPr lvl="0"/>
+            <a:r>
+              <a:rPr b="1"/>
+              <a:t>GitHub</a:t>
+            </a:r>
+            <a:r>
+              <a:rPr/>
+              <a:t>: Host your R package and website.</a:t>
             </a:r>
           </a:p>
         </p:txBody>
@@ -3284,12 +3277,12 @@
       </p:grpSpPr>
       <p:sp>
         <p:nvSpPr>
-          <p:cNvPr id="2" name="Title 1"/>
-          <p:cNvSpPr>
-            <a:spLocks noGrp="1"/>
-          </p:cNvSpPr>
-          <p:nvPr>
-            <p:ph type="title"/>
+          <p:cNvPr id="3" name="Content Placeholder 2"/>
+          <p:cNvSpPr>
+            <a:spLocks noGrp="1"/>
+          </p:cNvSpPr>
+          <p:nvPr>
+            <p:ph idx="1"/>
           </p:nvPr>
         </p:nvSpPr>
         <p:spPr/>
@@ -3298,50 +3291,37 @@
           <a:lstStyle/>
           <a:p>
             <a:pPr lvl="0" indent="0" marL="0">
+              <a:spcBef>
+                <a:spcPts val="3000"/>
+              </a:spcBef>
               <a:buNone/>
             </a:pPr>
             <a:r>
-              <a:rPr/>
-              <a:t>Publishing the Website</a:t>
-            </a:r>
-          </a:p>
-        </p:txBody>
-      </p:sp>
-      <p:sp>
-        <p:nvSpPr>
-          <p:cNvPr id="3" name="Content Placeholder 2"/>
-          <p:cNvSpPr>
-            <a:spLocks noGrp="1"/>
-          </p:cNvSpPr>
-          <p:nvPr>
-            <p:ph idx="1"/>
-          </p:nvPr>
-        </p:nvSpPr>
-        <p:spPr/>
-        <p:txBody>
-          <a:bodyPr/>
-          <a:lstStyle/>
+              <a:rPr b="1"/>
+              <a:t>GitHub Workflow</a:t>
+            </a:r>
+          </a:p>
           <a:p>
             <a:pPr lvl="0" indent="-342900" marL="342900">
               <a:buAutoNum type="arabicPeriod"/>
             </a:pPr>
             <a:r>
               <a:rPr b="1"/>
-              <a:t>Build the Website</a:t>
-            </a:r>
-            <a:r>
-              <a:rPr/>
-              <a:t>: Run </a:t>
+              <a:t>Fork the Repository</a:t>
+            </a:r>
+            <a:r>
+              <a:rPr/>
+              <a:t>: Start by forking the </a:t>
             </a:r>
             <a:r>
               <a:rPr>
                 <a:latin typeface="Courier"/>
               </a:rPr>
-              <a:t>quarto render</a:t>
-            </a:r>
-            <a:r>
-              <a:rPr/>
-              <a:t> to build the static HTML content.</a:t>
+              <a:t>packageSkeleton</a:t>
+            </a:r>
+            <a:r>
+              <a:rPr/>
+              <a:t> repo from GitHub.</a:t>
             </a:r>
           </a:p>
           <a:p>
@@ -3350,11 +3330,11 @@
             </a:pPr>
             <a:r>
               <a:rPr b="1"/>
-              <a:t>Publish on GitHub Pages</a:t>
-            </a:r>
-            <a:r>
-              <a:rPr/>
-              <a:t>: Push your changes to the repository and GitHub Pages will automatically deploy the site.</a:t>
+              <a:t>Clone Locally</a:t>
+            </a:r>
+            <a:r>
+              <a:rPr/>
+              <a:t>: Clone the repo to your local machine using Git.</a:t>
             </a:r>
           </a:p>
           <a:p>
@@ -3363,21 +3343,24 @@
             </a:pPr>
             <a:r>
               <a:rPr b="1"/>
-              <a:t>Preview Locally</a:t>
-            </a:r>
-            <a:r>
-              <a:rPr/>
-              <a:t>: Use </a:t>
-            </a:r>
-            <a:r>
-              <a:rPr>
-                <a:latin typeface="Courier"/>
-              </a:rPr>
-              <a:t>quarto preview</a:t>
-            </a:r>
-            <a:r>
-              <a:rPr/>
-              <a:t> to see live updates of the website as you edit.</a:t>
+              <a:t>Push Changes</a:t>
+            </a:r>
+            <a:r>
+              <a:rPr/>
+              <a:t>: After making your edits, push them to your GitHub repository.</a:t>
+            </a:r>
+          </a:p>
+          <a:p>
+            <a:pPr lvl="0" indent="-342900" marL="342900">
+              <a:buAutoNum type="arabicPeriod"/>
+            </a:pPr>
+            <a:r>
+              <a:rPr b="1"/>
+              <a:t>Deploy Website</a:t>
+            </a:r>
+            <a:r>
+              <a:rPr/>
+              <a:t>: Use GitHub Pages to host the Quarto-based documentation.</a:t>
             </a:r>
           </a:p>
         </p:txBody>
@@ -3406,12 +3389,12 @@
       </p:grpSpPr>
       <p:sp>
         <p:nvSpPr>
-          <p:cNvPr id="2" name="Title 1"/>
-          <p:cNvSpPr>
-            <a:spLocks noGrp="1"/>
-          </p:cNvSpPr>
-          <p:nvPr>
-            <p:ph type="title"/>
+          <p:cNvPr id="3" name="Content Placeholder 2"/>
+          <p:cNvSpPr>
+            <a:spLocks noGrp="1"/>
+          </p:cNvSpPr>
+          <p:nvPr>
+            <p:ph idx="1"/>
           </p:nvPr>
         </p:nvSpPr>
         <p:spPr/>
@@ -3420,52 +3403,67 @@
           <a:lstStyle/>
           <a:p>
             <a:pPr lvl="0" indent="0" marL="0">
+              <a:spcBef>
+                <a:spcPts val="3000"/>
+              </a:spcBef>
               <a:buNone/>
             </a:pPr>
             <a:r>
-              <a:rPr/>
-              <a:t>Conclusion</a:t>
-            </a:r>
-          </a:p>
-        </p:txBody>
-      </p:sp>
-      <p:sp>
-        <p:nvSpPr>
-          <p:cNvPr id="3" name="Content Placeholder 2"/>
-          <p:cNvSpPr>
-            <a:spLocks noGrp="1"/>
-          </p:cNvSpPr>
-          <p:nvPr>
-            <p:ph idx="1"/>
-          </p:nvPr>
-        </p:nvSpPr>
-        <p:spPr/>
-        <p:txBody>
-          <a:bodyPr/>
-          <a:lstStyle/>
+              <a:rPr b="1"/>
+              <a:t>Customizing the Website</a:t>
+            </a:r>
+          </a:p>
           <a:p>
             <a:pPr lvl="0"/>
             <a:r>
               <a:rPr b="1"/>
-              <a:t>packageSkeleton</a:t>
-            </a:r>
-            <a:r>
-              <a:rPr/>
-              <a:t> is a powerful starting point for R package development.</a:t>
+              <a:t>Quarto Configuration</a:t>
+            </a:r>
+            <a:r>
+              <a:rPr/>
+              <a:t>: Customize the </a:t>
+            </a:r>
+            <a:r>
+              <a:rPr>
+                <a:latin typeface="Courier"/>
+              </a:rPr>
+              <a:t>_quarto.yml</a:t>
+            </a:r>
+            <a:r>
+              <a:rPr/>
+              <a:t> file to change the website settings such as title, author, and repository URL.</a:t>
             </a:r>
           </a:p>
           <a:p>
             <a:pPr lvl="0"/>
             <a:r>
-              <a:rPr/>
-              <a:t>Use it to streamline your workflow, create well-documented R code, and publish it with a professional Quarto-powered website.</a:t>
+              <a:rPr b="1"/>
+              <a:t>Add Pages</a:t>
+            </a:r>
+            <a:r>
+              <a:rPr/>
+              <a:t>: Create </a:t>
+            </a:r>
+            <a:r>
+              <a:rPr>
+                <a:latin typeface="Courier"/>
+              </a:rPr>
+              <a:t>.qmd</a:t>
+            </a:r>
+            <a:r>
+              <a:rPr/>
+              <a:t> files to add custom documentation, tutorials, and more.</a:t>
             </a:r>
           </a:p>
           <a:p>
             <a:pPr lvl="0"/>
             <a:r>
-              <a:rPr/>
-              <a:t>Leverage GitHub for collaboration, version control, and public distribution of your work.</a:t>
+              <a:rPr b="1"/>
+              <a:t>Themes &amp; Layouts</a:t>
+            </a:r>
+            <a:r>
+              <a:rPr/>
+              <a:t>: Modify the website’s theme using CSS or choose from Quarto’s built-in themes.</a:t>
             </a:r>
           </a:p>
         </p:txBody>
@@ -3494,12 +3492,12 @@
       </p:grpSpPr>
       <p:sp>
         <p:nvSpPr>
-          <p:cNvPr id="2" name="Title 1"/>
-          <p:cNvSpPr>
-            <a:spLocks noGrp="1"/>
-          </p:cNvSpPr>
-          <p:nvPr>
-            <p:ph type="title"/>
+          <p:cNvPr id="3" name="Content Placeholder 2"/>
+          <p:cNvSpPr>
+            <a:spLocks noGrp="1"/>
+          </p:cNvSpPr>
+          <p:nvPr>
+            <p:ph idx="1"/>
           </p:nvPr>
         </p:nvSpPr>
         <p:spPr/>
@@ -3508,29 +3506,405 @@
           <a:lstStyle/>
           <a:p>
             <a:pPr lvl="0" indent="0" marL="0">
+              <a:spcBef>
+                <a:spcPts val="3000"/>
+              </a:spcBef>
               <a:buNone/>
             </a:pPr>
             <a:r>
-              <a:rPr/>
+              <a:rPr b="1"/>
+              <a:t>Building Your Package</a:t>
+            </a:r>
+          </a:p>
+          <a:p>
+            <a:pPr lvl="0"/>
+            <a:r>
+              <a:rPr b="1"/>
+              <a:t>Add Functions</a:t>
+            </a:r>
+            <a:r>
+              <a:rPr/>
+              <a:t>: Use the </a:t>
+            </a:r>
+            <a:r>
+              <a:rPr>
+                <a:latin typeface="Courier"/>
+              </a:rPr>
+              <a:t>R/</a:t>
+            </a:r>
+            <a:r>
+              <a:rPr/>
+              <a:t> folder to store your custom R scripts and functions.</a:t>
+            </a:r>
+          </a:p>
+          <a:p>
+            <a:pPr lvl="0"/>
+            <a:r>
+              <a:rPr b="1"/>
+              <a:t>Generate Documentation</a:t>
+            </a:r>
+            <a:r>
+              <a:rPr/>
+              <a:t>: Write roxygen-style documentation for each function and build it using </a:t>
+            </a:r>
+            <a:r>
+              <a:rPr>
+                <a:latin typeface="Courier"/>
+              </a:rPr>
+              <a:t>devtools::document()</a:t>
+            </a:r>
+            <a:r>
+              <a:rPr/>
+              <a:t>.</a:t>
+            </a:r>
+          </a:p>
+          <a:p>
+            <a:pPr lvl="0"/>
+            <a:r>
+              <a:rPr b="1"/>
+              <a:t>Check Your Package</a:t>
+            </a:r>
+            <a:r>
+              <a:rPr/>
+              <a:t>: Ensure your package passes all R CMD checks by running </a:t>
+            </a:r>
+            <a:r>
+              <a:rPr>
+                <a:latin typeface="Courier"/>
+              </a:rPr>
+              <a:t>devtools::check()</a:t>
+            </a:r>
+            <a:r>
+              <a:rPr/>
+              <a:t>.</a:t>
+            </a:r>
+          </a:p>
+        </p:txBody>
+      </p:sp>
+    </p:spTree>
+  </p:cSld>
+</p:sld>
+</file>
+
+<file path=ppt/slides/slide14.xml><?xml version="1.0" encoding="utf-8"?>
+<p:sld xmlns:a="http://schemas.openxmlformats.org/drawingml/2006/main" xmlns:r="http://schemas.openxmlformats.org/officeDocument/2006/relationships" xmlns:p="http://schemas.openxmlformats.org/presentationml/2006/main">
+  <p:cSld>
+    <p:spTree>
+      <p:nvGrpSpPr>
+        <p:cNvPr id="1" name=""/>
+        <p:cNvGrpSpPr/>
+        <p:nvPr/>
+      </p:nvGrpSpPr>
+      <p:grpSpPr>
+        <a:xfrm>
+          <a:off x="0" y="0"/>
+          <a:ext cx="0" cy="0"/>
+          <a:chOff x="0" y="0"/>
+          <a:chExt cx="0" cy="0"/>
+        </a:xfrm>
+      </p:grpSpPr>
+      <p:sp>
+        <p:nvSpPr>
+          <p:cNvPr id="3" name="Content Placeholder 2"/>
+          <p:cNvSpPr>
+            <a:spLocks noGrp="1"/>
+          </p:cNvSpPr>
+          <p:nvPr>
+            <p:ph idx="1"/>
+          </p:nvPr>
+        </p:nvSpPr>
+        <p:spPr/>
+        <p:txBody>
+          <a:bodyPr/>
+          <a:lstStyle/>
+          <a:p>
+            <a:pPr lvl="0" indent="0" marL="0">
+              <a:spcBef>
+                <a:spcPts val="3000"/>
+              </a:spcBef>
+              <a:buNone/>
+            </a:pPr>
+            <a:r>
+              <a:rPr b="1"/>
+              <a:t>Publishing the Website</a:t>
+            </a:r>
+          </a:p>
+          <a:p>
+            <a:pPr lvl="0" indent="-342900" marL="342900">
+              <a:buAutoNum type="arabicPeriod"/>
+            </a:pPr>
+            <a:r>
+              <a:rPr b="1"/>
+              <a:t>Build the Website</a:t>
+            </a:r>
+            <a:r>
+              <a:rPr/>
+              <a:t>: Run </a:t>
+            </a:r>
+            <a:r>
+              <a:rPr>
+                <a:latin typeface="Courier"/>
+              </a:rPr>
+              <a:t>quarto render</a:t>
+            </a:r>
+            <a:r>
+              <a:rPr/>
+              <a:t> to build the static HTML content.</a:t>
+            </a:r>
+          </a:p>
+          <a:p>
+            <a:pPr lvl="0" indent="-342900" marL="342900">
+              <a:buAutoNum type="arabicPeriod"/>
+            </a:pPr>
+            <a:r>
+              <a:rPr b="1"/>
+              <a:t>Publish on GitHub Pages</a:t>
+            </a:r>
+            <a:r>
+              <a:rPr/>
+              <a:t>: Push your changes to the repository and GitHub Pages will automatically deploy the site.</a:t>
+            </a:r>
+          </a:p>
+          <a:p>
+            <a:pPr lvl="0" indent="-342900" marL="342900">
+              <a:buAutoNum type="arabicPeriod"/>
+            </a:pPr>
+            <a:r>
+              <a:rPr b="1"/>
+              <a:t>Preview Locally</a:t>
+            </a:r>
+            <a:r>
+              <a:rPr/>
+              <a:t>: Use </a:t>
+            </a:r>
+            <a:r>
+              <a:rPr>
+                <a:latin typeface="Courier"/>
+              </a:rPr>
+              <a:t>quarto preview</a:t>
+            </a:r>
+            <a:r>
+              <a:rPr/>
+              <a:t> to see live updates of the website as you edit.</a:t>
+            </a:r>
+          </a:p>
+        </p:txBody>
+      </p:sp>
+    </p:spTree>
+  </p:cSld>
+</p:sld>
+</file>
+
+<file path=ppt/slides/slide15.xml><?xml version="1.0" encoding="utf-8"?>
+<p:sld xmlns:a="http://schemas.openxmlformats.org/drawingml/2006/main" xmlns:r="http://schemas.openxmlformats.org/officeDocument/2006/relationships" xmlns:p="http://schemas.openxmlformats.org/presentationml/2006/main">
+  <p:cSld>
+    <p:spTree>
+      <p:nvGrpSpPr>
+        <p:cNvPr id="1" name=""/>
+        <p:cNvGrpSpPr/>
+        <p:nvPr/>
+      </p:nvGrpSpPr>
+      <p:grpSpPr>
+        <a:xfrm>
+          <a:off x="0" y="0"/>
+          <a:ext cx="0" cy="0"/>
+          <a:chOff x="0" y="0"/>
+          <a:chExt cx="0" cy="0"/>
+        </a:xfrm>
+      </p:grpSpPr>
+      <p:sp>
+        <p:nvSpPr>
+          <p:cNvPr id="3" name="Content Placeholder 2"/>
+          <p:cNvSpPr>
+            <a:spLocks noGrp="1"/>
+          </p:cNvSpPr>
+          <p:nvPr>
+            <p:ph idx="1"/>
+          </p:nvPr>
+        </p:nvSpPr>
+        <p:spPr/>
+        <p:txBody>
+          <a:bodyPr/>
+          <a:lstStyle/>
+          <a:p>
+            <a:pPr lvl="0" indent="0" marL="0">
+              <a:buNone/>
+            </a:pPr>
+            <a:r>
+              <a:rPr/>
+              <a:t>FutureDirections</a:t>
+            </a:r>
+          </a:p>
+        </p:txBody>
+      </p:sp>
+    </p:spTree>
+  </p:cSld>
+</p:sld>
+</file>
+
+<file path=ppt/slides/slide16.xml><?xml version="1.0" encoding="utf-8"?>
+<p:sld xmlns:a="http://schemas.openxmlformats.org/drawingml/2006/main" xmlns:r="http://schemas.openxmlformats.org/officeDocument/2006/relationships" xmlns:p="http://schemas.openxmlformats.org/presentationml/2006/main">
+  <p:cSld>
+    <p:spTree>
+      <p:nvGrpSpPr>
+        <p:cNvPr id="1" name=""/>
+        <p:cNvGrpSpPr/>
+        <p:nvPr/>
+      </p:nvGrpSpPr>
+      <p:grpSpPr>
+        <a:xfrm>
+          <a:off x="0" y="0"/>
+          <a:ext cx="0" cy="0"/>
+          <a:chOff x="0" y="0"/>
+          <a:chExt cx="0" cy="0"/>
+        </a:xfrm>
+      </p:grpSpPr>
+      <p:sp>
+        <p:nvSpPr>
+          <p:cNvPr id="3" name="Content Placeholder 2"/>
+          <p:cNvSpPr>
+            <a:spLocks noGrp="1"/>
+          </p:cNvSpPr>
+          <p:nvPr>
+            <p:ph idx="1"/>
+          </p:nvPr>
+        </p:nvSpPr>
+        <p:spPr/>
+        <p:txBody>
+          <a:bodyPr/>
+          <a:lstStyle/>
+          <a:p>
+            <a:pPr lvl="0" indent="0" marL="0">
+              <a:spcBef>
+                <a:spcPts val="3000"/>
+              </a:spcBef>
+              <a:buNone/>
+            </a:pPr>
+            <a:r>
+              <a:rPr b="1"/>
+              <a:t>Future Directions</a:t>
+            </a:r>
+          </a:p>
+          <a:p>
+            <a:pPr lvl="0"/>
+            <a:r>
+              <a:rPr b="1"/>
+              <a:t>NextJS Integration</a:t>
+            </a:r>
+            <a:r>
+              <a:rPr/>
+              <a:t>: Integrate packageSkeleton into NextJS framework to facilitate the development of a more robust and scalable data science development framework.</a:t>
+            </a:r>
+          </a:p>
+          <a:p>
+            <a:pPr lvl="0"/>
+            <a:r>
+              <a:rPr b="1"/>
+              <a:t>Web API Development</a:t>
+            </a:r>
+            <a:r>
+              <a:rPr/>
+              <a:t>: Expose analytics results as web APIs to be used by users as well as other applications.</a:t>
+            </a:r>
+          </a:p>
+          <a:p>
+            <a:pPr lvl="0"/>
+            <a:r>
+              <a:rPr b="1"/>
+              <a:t>MCP Integration</a:t>
+            </a:r>
+            <a:r>
+              <a:rPr/>
+              <a:t>: Utilize Model Context Protocol (MCP) to expose package tools and resources for integration with popular AI services.</a:t>
+            </a:r>
+          </a:p>
+          <a:p>
+            <a:pPr lvl="0" indent="0" marL="0">
+              <a:spcBef>
+                <a:spcPts val="3000"/>
+              </a:spcBef>
+              <a:buNone/>
+            </a:pPr>
+            <a:r>
+              <a:rPr b="1"/>
+              <a:t>Conclusion</a:t>
+            </a:r>
+          </a:p>
+          <a:p>
+            <a:pPr lvl="0"/>
+            <a:r>
+              <a:rPr b="1"/>
+              <a:t>packageSkeleton</a:t>
+            </a:r>
+            <a:r>
+              <a:rPr/>
+              <a:t> is a powerful starting point for R package development.</a:t>
+            </a:r>
+          </a:p>
+          <a:p>
+            <a:pPr lvl="0"/>
+            <a:r>
+              <a:rPr/>
+              <a:t>Use it to streamline your workflow, create well-documented R code, and publish it with a professional Quarto-powered website.</a:t>
+            </a:r>
+          </a:p>
+          <a:p>
+            <a:pPr lvl="0"/>
+            <a:r>
+              <a:rPr/>
+              <a:t>Leverage GitHub for collaboration, version control, and public distribution of your work.</a:t>
+            </a:r>
+          </a:p>
+        </p:txBody>
+      </p:sp>
+    </p:spTree>
+  </p:cSld>
+</p:sld>
+</file>
+
+<file path=ppt/slides/slide17.xml><?xml version="1.0" encoding="utf-8"?>
+<p:sld xmlns:a="http://schemas.openxmlformats.org/drawingml/2006/main" xmlns:r="http://schemas.openxmlformats.org/officeDocument/2006/relationships" xmlns:p="http://schemas.openxmlformats.org/presentationml/2006/main">
+  <p:cSld>
+    <p:spTree>
+      <p:nvGrpSpPr>
+        <p:cNvPr id="1" name=""/>
+        <p:cNvGrpSpPr/>
+        <p:nvPr/>
+      </p:nvGrpSpPr>
+      <p:grpSpPr>
+        <a:xfrm>
+          <a:off x="0" y="0"/>
+          <a:ext cx="0" cy="0"/>
+          <a:chOff x="0" y="0"/>
+          <a:chExt cx="0" cy="0"/>
+        </a:xfrm>
+      </p:grpSpPr>
+      <p:sp>
+        <p:nvSpPr>
+          <p:cNvPr id="3" name="Content Placeholder 2"/>
+          <p:cNvSpPr>
+            <a:spLocks noGrp="1"/>
+          </p:cNvSpPr>
+          <p:nvPr>
+            <p:ph idx="1"/>
+          </p:nvPr>
+        </p:nvSpPr>
+        <p:spPr/>
+        <p:txBody>
+          <a:bodyPr/>
+          <a:lstStyle/>
+          <a:p>
+            <a:pPr lvl="0" indent="0" marL="0">
+              <a:spcBef>
+                <a:spcPts val="3000"/>
+              </a:spcBef>
+              <a:buNone/>
+            </a:pPr>
+            <a:r>
+              <a:rPr b="1"/>
               <a:t>Further Resources</a:t>
             </a:r>
           </a:p>
-        </p:txBody>
-      </p:sp>
-      <p:sp>
-        <p:nvSpPr>
-          <p:cNvPr id="3" name="Content Placeholder 2"/>
-          <p:cNvSpPr>
-            <a:spLocks noGrp="1"/>
-          </p:cNvSpPr>
-          <p:nvPr>
-            <p:ph idx="1"/>
-          </p:nvPr>
-        </p:nvSpPr>
-        <p:spPr/>
-        <p:txBody>
-          <a:bodyPr/>
-          <a:lstStyle/>
           <a:p>
             <a:pPr lvl="0"/>
             <a:r>
@@ -3560,6 +3934,58 @@
           </a:p>
         </p:txBody>
       </p:sp>
+    </p:spTree>
+  </p:cSld>
+</p:sld>
+</file>
+
+<file path=ppt/slides/slide18.xml><?xml version="1.0" encoding="utf-8"?>
+<p:sld xmlns:a="http://schemas.openxmlformats.org/drawingml/2006/main" xmlns:r="http://schemas.openxmlformats.org/officeDocument/2006/relationships" xmlns:p="http://schemas.openxmlformats.org/presentationml/2006/main">
+  <p:cSld>
+    <p:spTree>
+      <p:nvGrpSpPr>
+        <p:cNvPr id="1" name=""/>
+        <p:cNvGrpSpPr/>
+        <p:nvPr/>
+      </p:nvGrpSpPr>
+      <p:grpSpPr>
+        <a:xfrm>
+          <a:off x="0" y="0"/>
+          <a:ext cx="0" cy="0"/>
+          <a:chOff x="0" y="0"/>
+          <a:chExt cx="0" cy="0"/>
+        </a:xfrm>
+      </p:grpSpPr>
+      <p:pic>
+        <p:nvPicPr>
+          <p:cNvPr descr="assets/img/qr_code.png" id="0" name="Picture 1"/>
+          <p:cNvPicPr>
+            <a:picLocks noGrp="1" noChangeAspect="1"/>
+          </p:cNvPicPr>
+          <p:nvPr/>
+        </p:nvPicPr>
+        <p:blipFill>
+          <a:blip r:embed="rId2"/>
+          <a:stretch>
+            <a:fillRect/>
+          </a:stretch>
+        </p:blipFill>
+        <p:spPr bwMode="auto">
+          <a:xfrm>
+            <a:off x="2870200" y="1193800"/>
+            <a:ext cx="3390900" cy="3390900"/>
+          </a:xfrm>
+          <a:prstGeom prst="rect">
+            <a:avLst/>
+          </a:prstGeom>
+          <a:noFill/>
+          <a:ln w="9525">
+            <a:noFill/>
+            <a:headEnd/>
+            <a:tailEnd/>
+          </a:ln>
+        </p:spPr>
+      </p:pic>
     </p:spTree>
   </p:cSld>
 </p:sld>
@@ -3584,20 +4010,75 @@
       </p:grpSpPr>
       <p:sp>
         <p:nvSpPr>
-          <p:cNvPr id="2" name="Title 1"/>
-          <p:cNvSpPr>
-            <a:spLocks noGrp="1"/>
-          </p:cNvSpPr>
-          <p:nvPr>
-            <p:ph type="title"/>
-          </p:nvPr>
-        </p:nvSpPr>
-        <p:spPr>
+          <p:cNvPr id="3" name="Text Placeholder 2"/>
+          <p:cNvSpPr>
+            <a:spLocks noGrp="1"/>
+          </p:cNvSpPr>
+          <p:nvPr>
+            <p:ph idx="1" type="body"/>
+          </p:nvPr>
+        </p:nvSpPr>
+        <p:spPr/>
+        <p:txBody>
+          <a:bodyPr/>
+          <a:lstStyle/>
+          <a:p>
+            <a:pPr lvl="0" indent="0" marL="0">
+              <a:buNone/>
+            </a:pPr>
+            <a:r>
+              <a:rPr/>
+              <a:t>packageSkeleton</a:t>
+            </a:r>
+          </a:p>
+          <a:p>
+            <a:pPr lvl="0" indent="0" marL="0">
+              <a:buNone/>
+            </a:pPr>
+          </a:p>
+        </p:txBody>
+      </p:sp>
+      <p:pic>
+        <p:nvPicPr>
+          <p:cNvPr descr="assets/img/packageSkeleton.png" id="0" name="Picture 1"/>
+          <p:cNvPicPr>
+            <a:picLocks noGrp="1" noChangeAspect="1"/>
+          </p:cNvPicPr>
+          <p:nvPr/>
+        </p:nvPicPr>
+        <p:blipFill>
+          <a:blip r:embed="rId2"/>
+          <a:stretch>
+            <a:fillRect/>
+          </a:stretch>
+        </p:blipFill>
+        <p:spPr bwMode="auto">
           <a:xfrm>
-            <a:off x="722313" y="3305176"/>
-            <a:ext cx="7772400" cy="1021556"/>
+            <a:off x="1193800" y="1625600"/>
+            <a:ext cx="2552700" cy="2959100"/>
           </a:xfrm>
+          <a:prstGeom prst="rect">
+            <a:avLst/>
+          </a:prstGeom>
+          <a:noFill/>
+          <a:ln w="9525">
+            <a:noFill/>
+            <a:headEnd/>
+            <a:tailEnd/>
+          </a:ln>
         </p:spPr>
+      </p:pic>
+      <p:sp>
+        <p:nvSpPr>
+          <p:cNvPr id="5" name="Text Placeholder 4"/>
+          <p:cNvSpPr>
+            <a:spLocks noGrp="1"/>
+          </p:cNvSpPr>
+          <p:nvPr>
+            <p:ph idx="3" sz="quarter" type="body"/>
+          </p:nvPr>
+        </p:nvSpPr>
+        <p:spPr/>
         <p:txBody>
           <a:bodyPr/>
           <a:lstStyle/>
@@ -3607,7 +4088,7 @@
             </a:pPr>
             <a:r>
               <a:rPr/>
-              <a:t>packageSkeleton</a:t>
+              <a:t>A modular data sciencedevelopment framework.</a:t>
             </a:r>
           </a:p>
         </p:txBody>
@@ -3636,12 +4117,12 @@
       </p:grpSpPr>
       <p:sp>
         <p:nvSpPr>
-          <p:cNvPr id="2" name="Title 1"/>
-          <p:cNvSpPr>
-            <a:spLocks noGrp="1"/>
-          </p:cNvSpPr>
-          <p:nvPr>
-            <p:ph type="title"/>
+          <p:cNvPr id="3" name="Content Placeholder 2"/>
+          <p:cNvSpPr>
+            <a:spLocks noGrp="1"/>
+          </p:cNvSpPr>
+          <p:nvPr>
+            <p:ph idx="1"/>
           </p:nvPr>
         </p:nvSpPr>
         <p:spPr/>
@@ -3654,41 +4135,7 @@
             </a:pPr>
             <a:r>
               <a:rPr/>
-              <a:t>Introduction to packageSkeleton</a:t>
-            </a:r>
-          </a:p>
-        </p:txBody>
-      </p:sp>
-      <p:sp>
-        <p:nvSpPr>
-          <p:cNvPr id="3" name="Content Placeholder 2"/>
-          <p:cNvSpPr>
-            <a:spLocks noGrp="1"/>
-          </p:cNvSpPr>
-          <p:nvPr>
-            <p:ph idx="1"/>
-          </p:nvPr>
-        </p:nvSpPr>
-        <p:spPr/>
-        <p:txBody>
-          <a:bodyPr/>
-          <a:lstStyle/>
-          <a:p>
-            <a:pPr lvl="0"/>
-            <a:r>
-              <a:rPr b="1"/>
-              <a:t>packageSkeleton</a:t>
-            </a:r>
-            <a:r>
-              <a:rPr/>
-              <a:t> is a streamlined GitHub template designed to simplify R package development.</a:t>
-            </a:r>
-          </a:p>
-          <a:p>
-            <a:pPr lvl="0"/>
-            <a:r>
-              <a:rPr/>
-              <a:t>It also integrates with a Quarto-powered website hosted on GitHub, providing users a structured way to develop, document, and distribute their work.</a:t>
+              <a:t>ReproducibleResearch</a:t>
             </a:r>
           </a:p>
         </p:txBody>
@@ -3717,12 +4164,12 @@
       </p:grpSpPr>
       <p:sp>
         <p:nvSpPr>
-          <p:cNvPr id="2" name="Title 1"/>
-          <p:cNvSpPr>
-            <a:spLocks noGrp="1"/>
-          </p:cNvSpPr>
-          <p:nvPr>
-            <p:ph type="title"/>
+          <p:cNvPr id="3" name="Content Placeholder 2"/>
+          <p:cNvSpPr>
+            <a:spLocks noGrp="1"/>
+          </p:cNvSpPr>
+          <p:nvPr>
+            <p:ph idx="1"/>
           </p:nvPr>
         </p:nvSpPr>
         <p:spPr/>
@@ -3731,55 +4178,57 @@
           <a:lstStyle/>
           <a:p>
             <a:pPr lvl="0" indent="0" marL="0">
+              <a:spcBef>
+                <a:spcPts val="3000"/>
+              </a:spcBef>
               <a:buNone/>
             </a:pPr>
             <a:r>
-              <a:rPr/>
-              <a:t>Why packageSkeleton?</a:t>
-            </a:r>
-          </a:p>
-        </p:txBody>
-      </p:sp>
-      <p:sp>
-        <p:nvSpPr>
-          <p:cNvPr id="3" name="Content Placeholder 2"/>
-          <p:cNvSpPr>
-            <a:spLocks noGrp="1"/>
-          </p:cNvSpPr>
-          <p:nvPr>
-            <p:ph idx="1"/>
-          </p:nvPr>
-        </p:nvSpPr>
-        <p:spPr/>
-        <p:txBody>
-          <a:bodyPr/>
-          <a:lstStyle/>
+              <a:rPr b="1"/>
+              <a:t>Reproducible Research</a:t>
+            </a:r>
+          </a:p>
           <a:p>
             <a:pPr lvl="0"/>
             <a:r>
               <a:rPr/>
-              <a:t>Encourages best practices in R package development</a:t>
+              <a:t>Reproducible research is a cornerstone of modern data science.</a:t>
             </a:r>
           </a:p>
           <a:p>
             <a:pPr lvl="0"/>
             <a:r>
               <a:rPr/>
-              <a:t>Provides a structure that integrates R code and documentation</a:t>
+              <a:t>The enemy of reproducible research is complexity.</a:t>
             </a:r>
           </a:p>
           <a:p>
             <a:pPr lvl="0"/>
             <a:r>
               <a:rPr/>
-              <a:t>Simplifies setting up a website for sharing your work</a:t>
+              <a:t>Taming complexity requires a foundation (i.e., a framework) that provides a structure for the development of the analytic capacities providing for an easily maintained integration of the analytic tools, documentation, and content associated with the analytic tools.</a:t>
             </a:r>
           </a:p>
           <a:p>
             <a:pPr lvl="0"/>
             <a:r>
               <a:rPr/>
-              <a:t>Ideal for both beginners and experienced developers</a:t>
+              <a:t>Without a solid foundation, analytic tools are often “spaghetti code” that is not reusable, not reproducible, and not well documented.</a:t>
+            </a:r>
+          </a:p>
+          <a:p>
+            <a:pPr lvl="0"/>
+            <a:r>
+              <a:rPr/>
+              <a:t>The goal of </a:t>
+            </a:r>
+            <a:r>
+              <a:rPr b="1"/>
+              <a:t>packageSkeleton</a:t>
+            </a:r>
+            <a:r>
+              <a:rPr/>
+              <a:t> is to provide a foundation for data science research that is reproducible, reusable, and well documented.</a:t>
             </a:r>
           </a:p>
         </p:txBody>
@@ -3808,12 +4257,12 @@
       </p:grpSpPr>
       <p:sp>
         <p:nvSpPr>
-          <p:cNvPr id="2" name="Title 1"/>
-          <p:cNvSpPr>
-            <a:spLocks noGrp="1"/>
-          </p:cNvSpPr>
-          <p:nvPr>
-            <p:ph type="title"/>
+          <p:cNvPr id="3" name="Content Placeholder 2"/>
+          <p:cNvSpPr>
+            <a:spLocks noGrp="1"/>
+          </p:cNvSpPr>
+          <p:nvPr>
+            <p:ph idx="1"/>
           </p:nvPr>
         </p:nvSpPr>
         <p:spPr/>
@@ -3826,56 +4275,7 @@
             </a:pPr>
             <a:r>
               <a:rPr/>
-              <a:t>Key Features</a:t>
-            </a:r>
-          </a:p>
-        </p:txBody>
-      </p:sp>
-      <p:sp>
-        <p:nvSpPr>
-          <p:cNvPr id="3" name="Content Placeholder 2"/>
-          <p:cNvSpPr>
-            <a:spLocks noGrp="1"/>
-          </p:cNvSpPr>
-          <p:nvPr>
-            <p:ph idx="1"/>
-          </p:nvPr>
-        </p:nvSpPr>
-        <p:spPr/>
-        <p:txBody>
-          <a:bodyPr/>
-          <a:lstStyle/>
-          <a:p>
-            <a:pPr lvl="0"/>
-            <a:r>
-              <a:rPr b="1"/>
-              <a:t>R Package Template</a:t>
-            </a:r>
-            <a:r>
-              <a:rPr/>
-              <a:t>: A basic structure that you can easily customize for your package needs.</a:t>
-            </a:r>
-          </a:p>
-          <a:p>
-            <a:pPr lvl="0"/>
-            <a:r>
-              <a:rPr b="1"/>
-              <a:t>GitHub Integration</a:t>
-            </a:r>
-            <a:r>
-              <a:rPr/>
-              <a:t>: Fork the repository and start developing right away.</a:t>
-            </a:r>
-          </a:p>
-          <a:p>
-            <a:pPr lvl="0"/>
-            <a:r>
-              <a:rPr b="1"/>
-              <a:t>Quarto Documentation</a:t>
-            </a:r>
-            <a:r>
-              <a:rPr/>
-              <a:t>: Create rich, dynamic content that documents your package and provides a public-facing website.</a:t>
+              <a:t>WhypackageSkeleton?</a:t>
             </a:r>
           </a:p>
         </p:txBody>
@@ -3904,12 +4304,12 @@
       </p:grpSpPr>
       <p:sp>
         <p:nvSpPr>
-          <p:cNvPr id="2" name="Title 1"/>
-          <p:cNvSpPr>
-            <a:spLocks noGrp="1"/>
-          </p:cNvSpPr>
-          <p:nvPr>
-            <p:ph type="title"/>
+          <p:cNvPr id="3" name="Content Placeholder 2"/>
+          <p:cNvSpPr>
+            <a:spLocks noGrp="1"/>
+          </p:cNvSpPr>
+          <p:nvPr>
+            <p:ph idx="1"/>
           </p:nvPr>
         </p:nvSpPr>
         <p:spPr/>
@@ -3918,119 +4318,32 @@
           <a:lstStyle/>
           <a:p>
             <a:pPr lvl="0" indent="0" marL="0">
+              <a:spcBef>
+                <a:spcPts val="3000"/>
+              </a:spcBef>
               <a:buNone/>
             </a:pPr>
             <a:r>
-              <a:rPr/>
-              <a:t>Customizing packageSkeleton</a:t>
-            </a:r>
-          </a:p>
-        </p:txBody>
-      </p:sp>
-      <p:sp>
-        <p:nvSpPr>
-          <p:cNvPr id="3" name="Content Placeholder 2"/>
-          <p:cNvSpPr>
-            <a:spLocks noGrp="1"/>
-          </p:cNvSpPr>
-          <p:nvPr>
-            <p:ph idx="1"/>
-          </p:nvPr>
-        </p:nvSpPr>
-        <p:spPr/>
-        <p:txBody>
-          <a:bodyPr/>
-          <a:lstStyle/>
-          <a:p>
-            <a:pPr lvl="0" indent="-342900" marL="342900">
-              <a:buAutoNum type="arabicPeriod"/>
-            </a:pPr>
-            <a:r>
               <a:rPr b="1"/>
-              <a:t>Rename the Package</a:t>
-            </a:r>
-            <a:r>
-              <a:rPr/>
-              <a:t>: Start by modifying the </a:t>
-            </a:r>
-            <a:r>
-              <a:rPr>
-                <a:latin typeface="Courier"/>
-              </a:rPr>
-              <a:t>DESCRIPTION</a:t>
-            </a:r>
-            <a:r>
-              <a:rPr/>
-              <a:t> file and renaming the package.</a:t>
-            </a:r>
-          </a:p>
-          <a:p>
-            <a:pPr lvl="0" indent="-342900" marL="342900">
-              <a:buAutoNum type="arabicPeriod"/>
-            </a:pPr>
+              <a:t>Introduction to packageSkeleton</a:t>
+            </a:r>
+          </a:p>
+          <a:p>
+            <a:pPr lvl="0"/>
             <a:r>
               <a:rPr b="1"/>
-              <a:t>Add Your Own Functions</a:t>
-            </a:r>
-            <a:r>
-              <a:rPr/>
-              <a:t>: Inside the </a:t>
-            </a:r>
-            <a:r>
-              <a:rPr>
-                <a:latin typeface="Courier"/>
-              </a:rPr>
-              <a:t>R/</a:t>
-            </a:r>
-            <a:r>
-              <a:rPr/>
-              <a:t> directory, include your custom R functions.</a:t>
-            </a:r>
-          </a:p>
-          <a:p>
-            <a:pPr lvl="0" indent="-342900" marL="342900">
-              <a:buAutoNum type="arabicPeriod"/>
-            </a:pPr>
-            <a:r>
-              <a:rPr b="1"/>
-              <a:t>Generate Documentation</a:t>
-            </a:r>
-            <a:r>
-              <a:rPr/>
-              <a:t>: Use </a:t>
-            </a:r>
-            <a:r>
-              <a:rPr>
-                <a:latin typeface="Courier"/>
-              </a:rPr>
-              <a:t>roxygen2</a:t>
-            </a:r>
-            <a:r>
-              <a:rPr/>
-              <a:t> to create function documentation and </a:t>
-            </a:r>
-            <a:r>
-              <a:rPr>
-                <a:latin typeface="Courier"/>
-              </a:rPr>
-              <a:t>Quarto</a:t>
-            </a:r>
-            <a:r>
-              <a:rPr/>
-              <a:t> to build your website.</a:t>
-            </a:r>
-          </a:p>
-          <a:p>
-            <a:pPr lvl="0" indent="-342900" marL="342900">
-              <a:buAutoNum type="arabicPeriod"/>
-            </a:pPr>
-            <a:r>
-              <a:rPr b="1"/>
-              <a:t>Deploy the Website</a:t>
-            </a:r>
-            <a:r>
-              <a:rPr/>
-              <a:t>: Publish the Quarto website using GitHub Pages.</a:t>
+              <a:t>packageSkeleton</a:t>
+            </a:r>
+            <a:r>
+              <a:rPr/>
+              <a:t> is a streamlined GitHub template designed to simplify R package development.</a:t>
+            </a:r>
+          </a:p>
+          <a:p>
+            <a:pPr lvl="0"/>
+            <a:r>
+              <a:rPr/>
+              <a:t>It also integrates with a Quarto-powered website hosted on GitHub, providing users a structured way to develop, document, and distribute their work.</a:t>
             </a:r>
           </a:p>
         </p:txBody>
@@ -4059,12 +4372,12 @@
       </p:grpSpPr>
       <p:sp>
         <p:nvSpPr>
-          <p:cNvPr id="2" name="Title 1"/>
-          <p:cNvSpPr>
-            <a:spLocks noGrp="1"/>
-          </p:cNvSpPr>
-          <p:nvPr>
-            <p:ph type="title"/>
+          <p:cNvPr id="3" name="Content Placeholder 2"/>
+          <p:cNvSpPr>
+            <a:spLocks noGrp="1"/>
+          </p:cNvSpPr>
+          <p:nvPr>
+            <p:ph idx="1"/>
           </p:nvPr>
         </p:nvSpPr>
         <p:spPr/>
@@ -4073,91 +4386,42 @@
           <a:lstStyle/>
           <a:p>
             <a:pPr lvl="0" indent="0" marL="0">
+              <a:spcBef>
+                <a:spcPts val="3000"/>
+              </a:spcBef>
               <a:buNone/>
             </a:pPr>
             <a:r>
-              <a:rPr/>
-              <a:t>Requirements</a:t>
-            </a:r>
-          </a:p>
-        </p:txBody>
-      </p:sp>
-      <p:sp>
-        <p:nvSpPr>
-          <p:cNvPr id="3" name="Content Placeholder 2"/>
-          <p:cNvSpPr>
-            <a:spLocks noGrp="1"/>
-          </p:cNvSpPr>
-          <p:nvPr>
-            <p:ph idx="1"/>
-          </p:nvPr>
-        </p:nvSpPr>
-        <p:spPr/>
-        <p:txBody>
-          <a:bodyPr/>
-          <a:lstStyle/>
+              <a:rPr b="1"/>
+              <a:t>Why packageSkeleton?</a:t>
+            </a:r>
+          </a:p>
           <a:p>
             <a:pPr lvl="0"/>
             <a:r>
-              <a:rPr b="1"/>
-              <a:t>R</a:t>
-            </a:r>
-            <a:r>
-              <a:rPr/>
-              <a:t>: The latest version of R (available from </a:t>
-            </a:r>
-            <a:r>
-              <a:rPr>
-                <a:hlinkClick r:id="rId2"/>
-              </a:rPr>
-              <a:t>CRAN</a:t>
-            </a:r>
-            <a:r>
-              <a:rPr/>
-              <a:t>)</a:t>
+              <a:rPr/>
+              <a:t>Encourages best practices in R package development</a:t>
             </a:r>
           </a:p>
           <a:p>
             <a:pPr lvl="0"/>
             <a:r>
-              <a:rPr b="1"/>
-              <a:t>Quarto</a:t>
-            </a:r>
-            <a:r>
-              <a:rPr/>
-              <a:t>: The Quarto CLI tool for building documents and websites (</a:t>
-            </a:r>
-            <a:r>
-              <a:rPr>
-                <a:hlinkClick r:id="rId3"/>
-              </a:rPr>
-              <a:t>Install Quarto</a:t>
-            </a:r>
-            <a:r>
-              <a:rPr/>
-              <a:t>).</a:t>
+              <a:rPr/>
+              <a:t>Provides a structure that integrates R code and documentation</a:t>
             </a:r>
           </a:p>
           <a:p>
             <a:pPr lvl="0"/>
             <a:r>
-              <a:rPr b="1"/>
-              <a:t>Git</a:t>
-            </a:r>
-            <a:r>
-              <a:rPr/>
-              <a:t>: Version control to manage your code and push to GitHub.</a:t>
+              <a:rPr/>
+              <a:t>Simplifies setting up a website for sharing your work</a:t>
             </a:r>
           </a:p>
           <a:p>
             <a:pPr lvl="0"/>
             <a:r>
-              <a:rPr b="1"/>
-              <a:t>GitHub</a:t>
-            </a:r>
-            <a:r>
-              <a:rPr/>
-              <a:t>: Host your R package and website.</a:t>
+              <a:rPr/>
+              <a:t>Ideal for both beginners and experienced developers</a:t>
             </a:r>
           </a:p>
         </p:txBody>
@@ -4186,12 +4450,12 @@
       </p:grpSpPr>
       <p:sp>
         <p:nvSpPr>
-          <p:cNvPr id="2" name="Title 1"/>
-          <p:cNvSpPr>
-            <a:spLocks noGrp="1"/>
-          </p:cNvSpPr>
-          <p:nvPr>
-            <p:ph type="title"/>
+          <p:cNvPr id="3" name="Content Placeholder 2"/>
+          <p:cNvSpPr>
+            <a:spLocks noGrp="1"/>
+          </p:cNvSpPr>
+          <p:nvPr>
+            <p:ph idx="1"/>
           </p:nvPr>
         </p:nvSpPr>
         <p:spPr/>
@@ -4200,89 +4464,47 @@
           <a:lstStyle/>
           <a:p>
             <a:pPr lvl="0" indent="0" marL="0">
+              <a:spcBef>
+                <a:spcPts val="3000"/>
+              </a:spcBef>
               <a:buNone/>
             </a:pPr>
             <a:r>
-              <a:rPr/>
-              <a:t>GitHub Workflow</a:t>
-            </a:r>
-          </a:p>
-        </p:txBody>
-      </p:sp>
-      <p:sp>
-        <p:nvSpPr>
-          <p:cNvPr id="3" name="Content Placeholder 2"/>
-          <p:cNvSpPr>
-            <a:spLocks noGrp="1"/>
-          </p:cNvSpPr>
-          <p:nvPr>
-            <p:ph idx="1"/>
-          </p:nvPr>
-        </p:nvSpPr>
-        <p:spPr/>
-        <p:txBody>
-          <a:bodyPr/>
-          <a:lstStyle/>
-          <a:p>
-            <a:pPr lvl="0" indent="-342900" marL="342900">
-              <a:buAutoNum type="arabicPeriod"/>
-            </a:pPr>
-            <a:r>
               <a:rPr b="1"/>
-              <a:t>Fork the Repository</a:t>
-            </a:r>
-            <a:r>
-              <a:rPr/>
-              <a:t>: Start by forking the </a:t>
-            </a:r>
-            <a:r>
-              <a:rPr>
-                <a:latin typeface="Courier"/>
-              </a:rPr>
-              <a:t>packageSkeleton</a:t>
-            </a:r>
-            <a:r>
-              <a:rPr/>
-              <a:t> repo from GitHub.</a:t>
-            </a:r>
-          </a:p>
-          <a:p>
-            <a:pPr lvl="0" indent="-342900" marL="342900">
-              <a:buAutoNum type="arabicPeriod"/>
-            </a:pPr>
+              <a:t>Key Features</a:t>
+            </a:r>
+          </a:p>
+          <a:p>
+            <a:pPr lvl="0"/>
             <a:r>
               <a:rPr b="1"/>
-              <a:t>Clone Locally</a:t>
-            </a:r>
-            <a:r>
-              <a:rPr/>
-              <a:t>: Clone the repo to your local machine using Git.</a:t>
-            </a:r>
-          </a:p>
-          <a:p>
-            <a:pPr lvl="0" indent="-342900" marL="342900">
-              <a:buAutoNum type="arabicPeriod"/>
-            </a:pPr>
+              <a:t>R Package Template</a:t>
+            </a:r>
+            <a:r>
+              <a:rPr/>
+              <a:t>: A basic structure that you can easily customize for your package needs.</a:t>
+            </a:r>
+          </a:p>
+          <a:p>
+            <a:pPr lvl="0"/>
             <a:r>
               <a:rPr b="1"/>
-              <a:t>Push Changes</a:t>
-            </a:r>
-            <a:r>
-              <a:rPr/>
-              <a:t>: After making your edits, push them to your GitHub repository.</a:t>
-            </a:r>
-          </a:p>
-          <a:p>
-            <a:pPr lvl="0" indent="-342900" marL="342900">
-              <a:buAutoNum type="arabicPeriod"/>
-            </a:pPr>
+              <a:t>GitHub Integration</a:t>
+            </a:r>
+            <a:r>
+              <a:rPr/>
+              <a:t>: Fork the repository and start developing right away.</a:t>
+            </a:r>
+          </a:p>
+          <a:p>
+            <a:pPr lvl="0"/>
             <a:r>
               <a:rPr b="1"/>
-              <a:t>Deploy Website</a:t>
-            </a:r>
-            <a:r>
-              <a:rPr/>
-              <a:t>: Use GitHub Pages to host the Quarto-based documentation.</a:t>
+              <a:t>Quarto Documentation</a:t>
+            </a:r>
+            <a:r>
+              <a:rPr/>
+              <a:t>: Create rich, dynamic content that documents your package and provides a public-facing website.</a:t>
             </a:r>
           </a:p>
         </p:txBody>
@@ -4311,12 +4533,12 @@
       </p:grpSpPr>
       <p:sp>
         <p:nvSpPr>
-          <p:cNvPr id="2" name="Title 1"/>
-          <p:cNvSpPr>
-            <a:spLocks noGrp="1"/>
-          </p:cNvSpPr>
-          <p:nvPr>
-            <p:ph type="title"/>
+          <p:cNvPr id="3" name="Content Placeholder 2"/>
+          <p:cNvSpPr>
+            <a:spLocks noGrp="1"/>
+          </p:cNvSpPr>
+          <p:nvPr>
+            <p:ph idx="1"/>
           </p:nvPr>
         </p:nvSpPr>
         <p:spPr/>
@@ -4325,80 +4547,106 @@
           <a:lstStyle/>
           <a:p>
             <a:pPr lvl="0" indent="0" marL="0">
+              <a:spcBef>
+                <a:spcPts val="3000"/>
+              </a:spcBef>
               <a:buNone/>
             </a:pPr>
             <a:r>
-              <a:rPr/>
-              <a:t>Customizing the Website</a:t>
-            </a:r>
-          </a:p>
-        </p:txBody>
-      </p:sp>
-      <p:sp>
-        <p:nvSpPr>
-          <p:cNvPr id="3" name="Content Placeholder 2"/>
-          <p:cNvSpPr>
-            <a:spLocks noGrp="1"/>
-          </p:cNvSpPr>
-          <p:nvPr>
-            <p:ph idx="1"/>
-          </p:nvPr>
-        </p:nvSpPr>
-        <p:spPr/>
-        <p:txBody>
-          <a:bodyPr/>
-          <a:lstStyle/>
-          <a:p>
-            <a:pPr lvl="0"/>
-            <a:r>
               <a:rPr b="1"/>
-              <a:t>Quarto Configuration</a:t>
-            </a:r>
-            <a:r>
-              <a:rPr/>
-              <a:t>: Customize the </a:t>
+              <a:t>Customizing packageSkeleton</a:t>
+            </a:r>
+          </a:p>
+          <a:p>
+            <a:pPr lvl="0" indent="-342900" marL="342900">
+              <a:buAutoNum type="arabicPeriod"/>
+            </a:pPr>
+            <a:r>
+              <a:rPr b="1"/>
+              <a:t>Rename the Package</a:t>
+            </a:r>
+            <a:r>
+              <a:rPr/>
+              <a:t>: Start by modifying the </a:t>
             </a:r>
             <a:r>
               <a:rPr>
                 <a:latin typeface="Courier"/>
               </a:rPr>
-              <a:t>_quarto.yml</a:t>
-            </a:r>
-            <a:r>
-              <a:rPr/>
-              <a:t> file to change the website settings such as title, author, and repository URL.</a:t>
-            </a:r>
-          </a:p>
-          <a:p>
-            <a:pPr lvl="0"/>
+              <a:t>DESCRIPTION</a:t>
+            </a:r>
+            <a:r>
+              <a:rPr/>
+              <a:t> file and renaming the package.</a:t>
+            </a:r>
+          </a:p>
+          <a:p>
+            <a:pPr lvl="0" indent="-342900" marL="342900">
+              <a:buAutoNum type="arabicPeriod"/>
+            </a:pPr>
             <a:r>
               <a:rPr b="1"/>
-              <a:t>Add Pages</a:t>
-            </a:r>
-            <a:r>
-              <a:rPr/>
-              <a:t>: Create </a:t>
+              <a:t>Add Your Own Functions</a:t>
+            </a:r>
+            <a:r>
+              <a:rPr/>
+              <a:t>: Inside the </a:t>
             </a:r>
             <a:r>
               <a:rPr>
                 <a:latin typeface="Courier"/>
               </a:rPr>
-              <a:t>.qmd</a:t>
-            </a:r>
-            <a:r>
-              <a:rPr/>
-              <a:t> files to add custom documentation, tutorials, and more.</a:t>
-            </a:r>
-          </a:p>
-          <a:p>
-            <a:pPr lvl="0"/>
+              <a:t>R/</a:t>
+            </a:r>
+            <a:r>
+              <a:rPr/>
+              <a:t> directory, include your custom R functions.</a:t>
+            </a:r>
+          </a:p>
+          <a:p>
+            <a:pPr lvl="0" indent="-342900" marL="342900">
+              <a:buAutoNum type="arabicPeriod"/>
+            </a:pPr>
             <a:r>
               <a:rPr b="1"/>
-              <a:t>Themes &amp; Layouts</a:t>
-            </a:r>
-            <a:r>
-              <a:rPr/>
-              <a:t>: Modify the website’s theme using CSS or choose from Quarto’s built-in themes.</a:t>
+              <a:t>Generate Documentation</a:t>
+            </a:r>
+            <a:r>
+              <a:rPr/>
+              <a:t>: Use </a:t>
+            </a:r>
+            <a:r>
+              <a:rPr>
+                <a:latin typeface="Courier"/>
+              </a:rPr>
+              <a:t>roxygen2</a:t>
+            </a:r>
+            <a:r>
+              <a:rPr/>
+              <a:t> to create function documentation and </a:t>
+            </a:r>
+            <a:r>
+              <a:rPr>
+                <a:latin typeface="Courier"/>
+              </a:rPr>
+              <a:t>Quarto</a:t>
+            </a:r>
+            <a:r>
+              <a:rPr/>
+              <a:t> to build your website.</a:t>
+            </a:r>
+          </a:p>
+          <a:p>
+            <a:pPr lvl="0" indent="-342900" marL="342900">
+              <a:buAutoNum type="arabicPeriod"/>
+            </a:pPr>
+            <a:r>
+              <a:rPr b="1"/>
+              <a:t>Deploy the Website</a:t>
+            </a:r>
+            <a:r>
+              <a:rPr/>
+              <a:t>: Publish the Quarto website using GitHub Pages.</a:t>
             </a:r>
           </a:p>
         </p:txBody>

--- a/quarto_website/content/presentations/packageSkeleton_Presentation.pptx
+++ b/quarto_website/content/presentations/packageSkeleton_Presentation.pptx
@@ -4191,15 +4191,19 @@
           <a:p>
             <a:pPr lvl="0"/>
             <a:r>
-              <a:rPr/>
-              <a:t>Reproducible research is a cornerstone of modern data science.</a:t>
+              <a:rPr b="1"/>
+              <a:t>Reproducible research</a:t>
+            </a:r>
+            <a:r>
+              <a:rPr/>
+              <a:t> is a cornerstone of modern data science.</a:t>
             </a:r>
           </a:p>
           <a:p>
             <a:pPr lvl="0"/>
             <a:r>
               <a:rPr/>
-              <a:t>The enemy of reproducible research is complexity.</a:t>
+              <a:t>The biggest enemy of reproducible research is complexity.</a:t>
             </a:r>
           </a:p>
           <a:p>
@@ -4213,7 +4217,7 @@
             <a:pPr lvl="0"/>
             <a:r>
               <a:rPr/>
-              <a:t>Without a solid foundation, analytic tools are often “spaghetti code” that is not reusable, not reproducible, and not well documented.</a:t>
+              <a:t>Without a solid foundation, analytic tools often become “spaghetti code” that is barely reusable, not reproducible, and not well documented.</a:t>
             </a:r>
           </a:p>
           <a:p>
@@ -4493,7 +4497,7 @@
             </a:r>
             <a:r>
               <a:rPr/>
-              <a:t>: Fork the repository and start developing right away.</a:t>
+              <a:t>: Fork or clone the repository and start developing right away.</a:t>
             </a:r>
           </a:p>
           <a:p>
@@ -4504,7 +4508,7 @@
             </a:r>
             <a:r>
               <a:rPr/>
-              <a:t>: Create rich, dynamic content that documents your package and provides a public-facing website.</a:t>
+              <a:t>: Create rich, dynamic content in multiple formats (e.g., HTML, PDF, DOCX, PPTX, etc.) that documents your package and provides a public-facing website.</a:t>
             </a:r>
           </a:p>
         </p:txBody>

--- a/quarto_website/content/presentations/packageSkeleton_Presentation.pptx
+++ b/quarto_website/content/presentations/packageSkeleton_Presentation.pptx
@@ -23,6 +23,8 @@
     <p:sldId id="271" r:id="rId17"/>
     <p:sldId id="272" r:id="rId18"/>
     <p:sldId id="273" r:id="rId19"/>
+    <p:sldId id="274" r:id="rId20"/>
+    <p:sldId id="275" r:id="rId21"/>
   </p:sldIdLst>
   <p:sldSz cx="9144000" cy="5143500" type="screen16x9"/>
   <p:notesSz cx="6858000" cy="9144000"/>
@@ -3728,11 +3730,39 @@
           <a:lstStyle/>
           <a:p>
             <a:pPr lvl="0" indent="0" marL="0">
+              <a:spcBef>
+                <a:spcPts val="3000"/>
+              </a:spcBef>
               <a:buNone/>
             </a:pPr>
             <a:r>
-              <a:rPr/>
-              <a:t>FutureDirections</a:t>
+              <a:rPr b="1"/>
+              <a:t>Conclusion</a:t>
+            </a:r>
+          </a:p>
+          <a:p>
+            <a:pPr lvl="0"/>
+            <a:r>
+              <a:rPr b="1"/>
+              <a:t>packageSkeleton</a:t>
+            </a:r>
+            <a:r>
+              <a:rPr/>
+              <a:t> is a powerful starting point for R package development.</a:t>
+            </a:r>
+          </a:p>
+          <a:p>
+            <a:pPr lvl="0"/>
+            <a:r>
+              <a:rPr/>
+              <a:t>Use it to streamline your workflow, create well-documented R code, and publish it with a professional Quarto-powered website.</a:t>
+            </a:r>
+          </a:p>
+          <a:p>
+            <a:pPr lvl="0"/>
+            <a:r>
+              <a:rPr/>
+              <a:t>Leverage GitHub for collaboration, version control, and public distribution of your work.</a:t>
             </a:r>
           </a:p>
         </p:txBody>
@@ -3775,84 +3805,11 @@
           <a:lstStyle/>
           <a:p>
             <a:pPr lvl="0" indent="0" marL="0">
-              <a:spcBef>
-                <a:spcPts val="3000"/>
-              </a:spcBef>
               <a:buNone/>
             </a:pPr>
             <a:r>
-              <a:rPr b="1"/>
-              <a:t>Future Directions</a:t>
-            </a:r>
-          </a:p>
-          <a:p>
-            <a:pPr lvl="0"/>
-            <a:r>
-              <a:rPr b="1"/>
-              <a:t>NextJS Integration</a:t>
-            </a:r>
-            <a:r>
-              <a:rPr/>
-              <a:t>: Integrate packageSkeleton into NextJS framework to facilitate the development of a more robust and scalable data science development framework.</a:t>
-            </a:r>
-          </a:p>
-          <a:p>
-            <a:pPr lvl="0"/>
-            <a:r>
-              <a:rPr b="1"/>
-              <a:t>Web API Development</a:t>
-            </a:r>
-            <a:r>
-              <a:rPr/>
-              <a:t>: Expose analytics results as web APIs to be used by users as well as other applications.</a:t>
-            </a:r>
-          </a:p>
-          <a:p>
-            <a:pPr lvl="0"/>
-            <a:r>
-              <a:rPr b="1"/>
-              <a:t>MCP Integration</a:t>
-            </a:r>
-            <a:r>
-              <a:rPr/>
-              <a:t>: Utilize Model Context Protocol (MCP) to expose package tools and resources for integration with popular AI services.</a:t>
-            </a:r>
-          </a:p>
-          <a:p>
-            <a:pPr lvl="0" indent="0" marL="0">
-              <a:spcBef>
-                <a:spcPts val="3000"/>
-              </a:spcBef>
-              <a:buNone/>
-            </a:pPr>
-            <a:r>
-              <a:rPr b="1"/>
-              <a:t>Conclusion</a:t>
-            </a:r>
-          </a:p>
-          <a:p>
-            <a:pPr lvl="0"/>
-            <a:r>
-              <a:rPr b="1"/>
-              <a:t>packageSkeleton</a:t>
-            </a:r>
-            <a:r>
-              <a:rPr/>
-              <a:t> is a powerful starting point for R package development.</a:t>
-            </a:r>
-          </a:p>
-          <a:p>
-            <a:pPr lvl="0"/>
-            <a:r>
-              <a:rPr/>
-              <a:t>Use it to streamline your workflow, create well-documented R code, and publish it with a professional Quarto-powered website.</a:t>
-            </a:r>
-          </a:p>
-          <a:p>
-            <a:pPr lvl="0"/>
-            <a:r>
-              <a:rPr/>
-              <a:t>Leverage GitHub for collaboration, version control, and public distribution of your work.</a:t>
+              <a:rPr/>
+              <a:t>FutureDirections</a:t>
             </a:r>
           </a:p>
         </p:txBody>
@@ -3902,34 +3859,40 @@
             </a:pPr>
             <a:r>
               <a:rPr b="1"/>
-              <a:t>Further Resources</a:t>
+              <a:t>Future Directions</a:t>
             </a:r>
           </a:p>
           <a:p>
             <a:pPr lvl="0"/>
             <a:r>
-              <a:rPr>
-                <a:hlinkClick r:id="rId2"/>
-              </a:rPr>
-              <a:t>Quarto Documentation</a:t>
+              <a:rPr b="1"/>
+              <a:t>NextJS Integration</a:t>
+            </a:r>
+            <a:r>
+              <a:rPr/>
+              <a:t>: Integrate packageSkeleton into NextJS framework to facilitate the development of a more robust and scalable data science development framework.</a:t>
             </a:r>
           </a:p>
           <a:p>
             <a:pPr lvl="0"/>
             <a:r>
-              <a:rPr>
-                <a:hlinkClick r:id="rId3"/>
-              </a:rPr>
-              <a:t>R Package Development</a:t>
+              <a:rPr b="1"/>
+              <a:t>Web API Development</a:t>
+            </a:r>
+            <a:r>
+              <a:rPr/>
+              <a:t>: Expose analytics results as web APIs to be used by users as well as other applications.</a:t>
             </a:r>
           </a:p>
           <a:p>
             <a:pPr lvl="0"/>
             <a:r>
-              <a:rPr>
-                <a:hlinkClick r:id="rId4"/>
-              </a:rPr>
-              <a:t>GitHub Pages</a:t>
+              <a:rPr b="1"/>
+              <a:t>MCP Integration</a:t>
+            </a:r>
+            <a:r>
+              <a:rPr/>
+              <a:t>: Utilize Model Context Protocol (MCP) to expose package tools and resources for integration with popular AI services.</a:t>
             </a:r>
           </a:p>
         </p:txBody>
@@ -3956,36 +3919,108 @@
           <a:chExt cx="0" cy="0"/>
         </a:xfrm>
       </p:grpSpPr>
-      <p:pic>
-        <p:nvPicPr>
-          <p:cNvPr descr="assets/img/qr_code.png" id="0" name="Picture 1"/>
-          <p:cNvPicPr>
-            <a:picLocks noGrp="1" noChangeAspect="1"/>
-          </p:cNvPicPr>
-          <p:nvPr/>
-        </p:nvPicPr>
-        <p:blipFill>
-          <a:blip r:embed="rId2"/>
-          <a:stretch>
-            <a:fillRect/>
-          </a:stretch>
-        </p:blipFill>
-        <p:spPr bwMode="auto">
-          <a:xfrm>
-            <a:off x="2870200" y="1193800"/>
-            <a:ext cx="3390900" cy="3390900"/>
-          </a:xfrm>
-          <a:prstGeom prst="rect">
-            <a:avLst/>
-          </a:prstGeom>
-          <a:noFill/>
-          <a:ln w="9525">
-            <a:noFill/>
-            <a:headEnd/>
-            <a:tailEnd/>
-          </a:ln>
-        </p:spPr>
-      </p:pic>
+      <p:sp>
+        <p:nvSpPr>
+          <p:cNvPr id="3" name="Content Placeholder 2"/>
+          <p:cNvSpPr>
+            <a:spLocks noGrp="1"/>
+          </p:cNvSpPr>
+          <p:nvPr>
+            <p:ph idx="1"/>
+          </p:nvPr>
+        </p:nvSpPr>
+        <p:spPr/>
+        <p:txBody>
+          <a:bodyPr/>
+          <a:lstStyle/>
+          <a:p>
+            <a:pPr lvl="0" indent="0" marL="0">
+              <a:buNone/>
+            </a:pPr>
+            <a:r>
+              <a:rPr/>
+              <a:t>Resources</a:t>
+            </a:r>
+          </a:p>
+        </p:txBody>
+      </p:sp>
+    </p:spTree>
+  </p:cSld>
+</p:sld>
+</file>
+
+<file path=ppt/slides/slide19.xml><?xml version="1.0" encoding="utf-8"?>
+<p:sld xmlns:a="http://schemas.openxmlformats.org/drawingml/2006/main" xmlns:r="http://schemas.openxmlformats.org/officeDocument/2006/relationships" xmlns:p="http://schemas.openxmlformats.org/presentationml/2006/main">
+  <p:cSld>
+    <p:spTree>
+      <p:nvGrpSpPr>
+        <p:cNvPr id="1" name=""/>
+        <p:cNvGrpSpPr/>
+        <p:nvPr/>
+      </p:nvGrpSpPr>
+      <p:grpSpPr>
+        <a:xfrm>
+          <a:off x="0" y="0"/>
+          <a:ext cx="0" cy="0"/>
+          <a:chOff x="0" y="0"/>
+          <a:chExt cx="0" cy="0"/>
+        </a:xfrm>
+      </p:grpSpPr>
+      <p:sp>
+        <p:nvSpPr>
+          <p:cNvPr id="3" name="Content Placeholder 2"/>
+          <p:cNvSpPr>
+            <a:spLocks noGrp="1"/>
+          </p:cNvSpPr>
+          <p:nvPr>
+            <p:ph idx="1"/>
+          </p:nvPr>
+        </p:nvSpPr>
+        <p:spPr/>
+        <p:txBody>
+          <a:bodyPr/>
+          <a:lstStyle/>
+          <a:p>
+            <a:pPr lvl="0" indent="0" marL="0">
+              <a:spcBef>
+                <a:spcPts val="3000"/>
+              </a:spcBef>
+              <a:buNone/>
+            </a:pPr>
+            <a:r>
+              <a:rPr b="1"/>
+              <a:t>Resources</a:t>
+            </a:r>
+          </a:p>
+          <a:p>
+            <a:pPr lvl="0"/>
+            <a:r>
+              <a:rPr>
+                <a:hlinkClick r:id="rId2"/>
+              </a:rPr>
+              <a:t>Quarto Documentation</a:t>
+            </a:r>
+          </a:p>
+          <a:p>
+            <a:pPr lvl="0"/>
+            <a:r>
+              <a:rPr>
+                <a:hlinkClick r:id="rId3"/>
+              </a:rPr>
+              <a:t>R Package Development</a:t>
+            </a:r>
+          </a:p>
+          <a:p>
+            <a:pPr lvl="0"/>
+            <a:r>
+              <a:rPr>
+                <a:hlinkClick r:id="rId4"/>
+              </a:rPr>
+              <a:t>GitHub Pages</a:t>
+            </a:r>
+          </a:p>
+        </p:txBody>
+      </p:sp>
     </p:spTree>
   </p:cSld>
 </p:sld>
@@ -4093,6 +4128,86 @@
           </a:p>
         </p:txBody>
       </p:sp>
+    </p:spTree>
+  </p:cSld>
+</p:sld>
+</file>
+
+<file path=ppt/slides/slide20.xml><?xml version="1.0" encoding="utf-8"?>
+<p:sld xmlns:a="http://schemas.openxmlformats.org/drawingml/2006/main" xmlns:r="http://schemas.openxmlformats.org/officeDocument/2006/relationships" xmlns:p="http://schemas.openxmlformats.org/presentationml/2006/main">
+  <p:cSld>
+    <p:spTree>
+      <p:nvGrpSpPr>
+        <p:cNvPr id="1" name=""/>
+        <p:cNvGrpSpPr/>
+        <p:nvPr/>
+      </p:nvGrpSpPr>
+      <p:grpSpPr>
+        <a:xfrm>
+          <a:off x="0" y="0"/>
+          <a:ext cx="0" cy="0"/>
+          <a:chOff x="0" y="0"/>
+          <a:chExt cx="0" cy="0"/>
+        </a:xfrm>
+      </p:grpSpPr>
+      <p:sp>
+        <p:nvSpPr>
+          <p:cNvPr id="4" name="Text Placeholder 3"/>
+          <p:cNvSpPr>
+            <a:spLocks noGrp="1"/>
+          </p:cNvSpPr>
+          <p:nvPr>
+            <p:ph idx="2" sz="half" type="body"/>
+          </p:nvPr>
+        </p:nvSpPr>
+        <p:spPr/>
+        <p:txBody>
+          <a:bodyPr/>
+          <a:lstStyle/>
+          <a:p>
+            <a:pPr lvl="0" indent="0" marL="0">
+              <a:spcBef>
+                <a:spcPts val="3000"/>
+              </a:spcBef>
+              <a:buNone/>
+            </a:pPr>
+            <a:r>
+              <a:rPr b="1"/>
+              <a:t>For the Presentation</a:t>
+            </a:r>
+          </a:p>
+        </p:txBody>
+      </p:sp>
+      <p:pic>
+        <p:nvPicPr>
+          <p:cNvPr descr="assets/img/qr_code.png" id="0" name="Picture 1"/>
+          <p:cNvPicPr>
+            <a:picLocks noGrp="1" noChangeAspect="1"/>
+          </p:cNvPicPr>
+          <p:nvPr/>
+        </p:nvPicPr>
+        <p:blipFill>
+          <a:blip r:embed="rId2"/>
+          <a:stretch>
+            <a:fillRect/>
+          </a:stretch>
+        </p:blipFill>
+        <p:spPr bwMode="auto">
+          <a:xfrm>
+            <a:off x="3937000" y="203200"/>
+            <a:ext cx="4381500" cy="4381500"/>
+          </a:xfrm>
+          <a:prstGeom prst="rect">
+            <a:avLst/>
+          </a:prstGeom>
+          <a:noFill/>
+          <a:ln w="9525">
+            <a:noFill/>
+            <a:headEnd/>
+            <a:tailEnd/>
+          </a:ln>
+        </p:spPr>
+      </p:pic>
     </p:spTree>
   </p:cSld>
 </p:sld>
